--- a/lectures/strategy/strategy.pptx
+++ b/lectures/strategy/strategy.pptx
@@ -143,7 +143,7 @@
   </p:defaultTextStyle>
   <p:extLst>
     <p:ext uri="{EFAFB233-063F-42B5-8137-9DF3F51BA10A}">
-      <p15:sldGuideLst xmlns:p15="http://schemas.microsoft.com/office/powerpoint/2012/main" xmlns="">
+      <p15:sldGuideLst xmlns:p15="http://schemas.microsoft.com/office/powerpoint/2012/main">
         <p15:guide id="1" orient="horz" pos="2160">
           <p15:clr>
             <a:srgbClr val="A4A3A4"/>
@@ -242,7 +242,7 @@
           <a:p>
             <a:fld id="{2F3DCB6D-0B48-4A3D-B663-06C3F903A9D3}" type="datetimeFigureOut">
               <a:rPr lang="ru-RU" smtClean="0"/>
-              <a:t>08.03.2016</a:t>
+              <a:t>21.12.2016</a:t>
             </a:fld>
             <a:endParaRPr lang="ru-RU"/>
           </a:p>
@@ -842,7 +842,7 @@
           <a:p>
             <a:fld id="{2590F9C9-AB92-4E86-B698-DEC9BF4350FF}" type="datetimeFigureOut">
               <a:rPr lang="ru-RU" smtClean="0"/>
-              <a:t>08.03.2016</a:t>
+              <a:t>21.12.2016</a:t>
             </a:fld>
             <a:endParaRPr lang="ru-RU"/>
           </a:p>
@@ -1072,7 +1072,7 @@
           <a:p>
             <a:fld id="{2590F9C9-AB92-4E86-B698-DEC9BF4350FF}" type="datetimeFigureOut">
               <a:rPr lang="ru-RU" smtClean="0"/>
-              <a:t>08.03.2016</a:t>
+              <a:t>21.12.2016</a:t>
             </a:fld>
             <a:endParaRPr lang="ru-RU"/>
           </a:p>
@@ -1352,7 +1352,7 @@
           <a:p>
             <a:fld id="{2590F9C9-AB92-4E86-B698-DEC9BF4350FF}" type="datetimeFigureOut">
               <a:rPr lang="ru-RU" smtClean="0"/>
-              <a:t>08.03.2016</a:t>
+              <a:t>21.12.2016</a:t>
             </a:fld>
             <a:endParaRPr lang="ru-RU"/>
           </a:p>
@@ -1531,7 +1531,7 @@
           <a:p>
             <a:fld id="{2590F9C9-AB92-4E86-B698-DEC9BF4350FF}" type="datetimeFigureOut">
               <a:rPr lang="ru-RU" smtClean="0"/>
-              <a:t>08.03.2016</a:t>
+              <a:t>21.12.2016</a:t>
             </a:fld>
             <a:endParaRPr lang="ru-RU"/>
           </a:p>
@@ -1896,7 +1896,7 @@
           <a:p>
             <a:fld id="{2590F9C9-AB92-4E86-B698-DEC9BF4350FF}" type="datetimeFigureOut">
               <a:rPr lang="ru-RU" smtClean="0"/>
-              <a:t>08.03.2016</a:t>
+              <a:t>21.12.2016</a:t>
             </a:fld>
             <a:endParaRPr lang="ru-RU"/>
           </a:p>
@@ -2190,7 +2190,7 @@
           <a:p>
             <a:fld id="{2590F9C9-AB92-4E86-B698-DEC9BF4350FF}" type="datetimeFigureOut">
               <a:rPr lang="ru-RU" smtClean="0"/>
-              <a:t>08.03.2016</a:t>
+              <a:t>21.12.2016</a:t>
             </a:fld>
             <a:endParaRPr lang="ru-RU"/>
           </a:p>
@@ -2612,7 +2612,7 @@
           <a:p>
             <a:fld id="{2590F9C9-AB92-4E86-B698-DEC9BF4350FF}" type="datetimeFigureOut">
               <a:rPr lang="ru-RU" smtClean="0"/>
-              <a:t>08.03.2016</a:t>
+              <a:t>21.12.2016</a:t>
             </a:fld>
             <a:endParaRPr lang="ru-RU"/>
           </a:p>
@@ -2727,7 +2727,7 @@
           <a:p>
             <a:fld id="{2590F9C9-AB92-4E86-B698-DEC9BF4350FF}" type="datetimeFigureOut">
               <a:rPr lang="ru-RU" smtClean="0"/>
-              <a:t>08.03.2016</a:t>
+              <a:t>21.12.2016</a:t>
             </a:fld>
             <a:endParaRPr lang="ru-RU"/>
           </a:p>
@@ -2824,7 +2824,7 @@
           <a:p>
             <a:fld id="{2590F9C9-AB92-4E86-B698-DEC9BF4350FF}" type="datetimeFigureOut">
               <a:rPr lang="ru-RU" smtClean="0"/>
-              <a:t>08.03.2016</a:t>
+              <a:t>21.12.2016</a:t>
             </a:fld>
             <a:endParaRPr lang="ru-RU"/>
           </a:p>
@@ -3109,7 +3109,7 @@
           <a:p>
             <a:fld id="{2590F9C9-AB92-4E86-B698-DEC9BF4350FF}" type="datetimeFigureOut">
               <a:rPr lang="ru-RU" smtClean="0"/>
-              <a:t>08.03.2016</a:t>
+              <a:t>21.12.2016</a:t>
             </a:fld>
             <a:endParaRPr lang="ru-RU"/>
           </a:p>
@@ -3475,7 +3475,7 @@
           <a:p>
             <a:fld id="{2590F9C9-AB92-4E86-B698-DEC9BF4350FF}" type="datetimeFigureOut">
               <a:rPr lang="ru-RU" smtClean="0"/>
-              <a:t>08.03.2016</a:t>
+              <a:t>21.12.2016</a:t>
             </a:fld>
             <a:endParaRPr lang="ru-RU"/>
           </a:p>
@@ -3912,7 +3912,7 @@
           <a:p>
             <a:fld id="{2590F9C9-AB92-4E86-B698-DEC9BF4350FF}" type="datetimeFigureOut">
               <a:rPr lang="ru-RU" smtClean="0"/>
-              <a:t>08.03.2016</a:t>
+              <a:t>21.12.2016</a:t>
             </a:fld>
             <a:endParaRPr lang="ru-RU"/>
           </a:p>
@@ -9404,7 +9404,7 @@
       </p:sp>
       <p:pic>
         <p:nvPicPr>
-          <p:cNvPr id="9" name="Picture 8"/>
+          <p:cNvPr id="4" name="Picture 3"/>
           <p:cNvPicPr>
             <a:picLocks noChangeAspect="1"/>
           </p:cNvPicPr>
@@ -9418,8 +9418,8 @@
         </p:blipFill>
         <p:spPr>
           <a:xfrm>
-            <a:off x="2051720" y="2564904"/>
-            <a:ext cx="4793850" cy="3537600"/>
+            <a:off x="683568" y="1651266"/>
+            <a:ext cx="6696744" cy="4966791"/>
           </a:xfrm>
           <a:prstGeom prst="rect">
             <a:avLst/>
@@ -10815,7 +10815,11 @@
             </a:r>
             <a:r>
               <a:rPr lang="en-US" dirty="0" smtClean="0"/>
-              <a:t> (interface realization)</a:t>
+              <a:t> (interface </a:t>
+            </a:r>
+            <a:r>
+              <a:rPr lang="en-US" dirty="0" smtClean="0"/>
+              <a:t>implementation)</a:t>
             </a:r>
             <a:endParaRPr lang="ru-RU" dirty="0"/>
           </a:p>
@@ -10823,7 +10827,7 @@
       </p:sp>
       <p:pic>
         <p:nvPicPr>
-          <p:cNvPr id="5" name="Picture 4"/>
+          <p:cNvPr id="4" name="Picture 3"/>
           <p:cNvPicPr>
             <a:picLocks noChangeAspect="1"/>
           </p:cNvPicPr>
@@ -10837,8 +10841,8 @@
         </p:blipFill>
         <p:spPr>
           <a:xfrm>
-            <a:off x="971600" y="2420888"/>
-            <a:ext cx="6332176" cy="3653734"/>
+            <a:off x="179512" y="1700808"/>
+            <a:ext cx="8147248" cy="4942424"/>
           </a:xfrm>
           <a:prstGeom prst="rect">
             <a:avLst/>
@@ -10911,7 +10915,7 @@
       </p:sp>
       <p:pic>
         <p:nvPicPr>
-          <p:cNvPr id="5" name="Picture 4"/>
+          <p:cNvPr id="3" name="Picture 2"/>
           <p:cNvPicPr>
             <a:picLocks noChangeAspect="1"/>
           </p:cNvPicPr>
@@ -10925,8 +10929,8 @@
         </p:blipFill>
         <p:spPr>
           <a:xfrm>
-            <a:off x="4139952" y="2132856"/>
-            <a:ext cx="4793850" cy="3037334"/>
+            <a:off x="179512" y="2780928"/>
+            <a:ext cx="3121369" cy="3618000"/>
           </a:xfrm>
           <a:prstGeom prst="rect">
             <a:avLst/>
@@ -10935,7 +10939,7 @@
       </p:pic>
       <p:pic>
         <p:nvPicPr>
-          <p:cNvPr id="7" name="Picture 6"/>
+          <p:cNvPr id="4" name="Picture 3"/>
           <p:cNvPicPr>
             <a:picLocks noChangeAspect="1"/>
           </p:cNvPicPr>
@@ -10949,8 +10953,8 @@
         </p:blipFill>
         <p:spPr>
           <a:xfrm>
-            <a:off x="457200" y="2780928"/>
-            <a:ext cx="3121369" cy="3260667"/>
+            <a:off x="3762504" y="1988840"/>
+            <a:ext cx="5099290" cy="3240360"/>
           </a:xfrm>
           <a:prstGeom prst="rect">
             <a:avLst/>
@@ -11023,7 +11027,7 @@
       </p:sp>
       <p:pic>
         <p:nvPicPr>
-          <p:cNvPr id="3" name="Picture 2"/>
+          <p:cNvPr id="4" name="Picture 3"/>
           <p:cNvPicPr>
             <a:picLocks noChangeAspect="1"/>
           </p:cNvPicPr>
@@ -11037,8 +11041,8 @@
         </p:blipFill>
         <p:spPr>
           <a:xfrm>
-            <a:off x="683568" y="2996952"/>
-            <a:ext cx="7074507" cy="1974267"/>
+            <a:off x="265584" y="2290000"/>
+            <a:ext cx="8612832" cy="2278000"/>
           </a:xfrm>
           <a:prstGeom prst="rect">
             <a:avLst/>
@@ -11111,7 +11115,7 @@
       </p:sp>
       <p:pic>
         <p:nvPicPr>
-          <p:cNvPr id="4" name="Picture 3"/>
+          <p:cNvPr id="6" name="Picture 5"/>
           <p:cNvPicPr>
             <a:picLocks noChangeAspect="1"/>
           </p:cNvPicPr>
@@ -11125,8 +11129,8 @@
         </p:blipFill>
         <p:spPr>
           <a:xfrm>
-            <a:off x="1280699" y="2727733"/>
-            <a:ext cx="6582601" cy="1402533"/>
+            <a:off x="971599" y="2636912"/>
+            <a:ext cx="6983035" cy="1656184"/>
           </a:xfrm>
           <a:prstGeom prst="rect">
             <a:avLst/>

--- a/lectures/strategy/strategy.pptx
+++ b/lectures/strategy/strategy.pptx
@@ -242,7 +242,7 @@
           <a:p>
             <a:fld id="{2F3DCB6D-0B48-4A3D-B663-06C3F903A9D3}" type="datetimeFigureOut">
               <a:rPr lang="ru-RU" smtClean="0"/>
-              <a:t>21.12.2016</a:t>
+              <a:t>22.12.2016</a:t>
             </a:fld>
             <a:endParaRPr lang="ru-RU"/>
           </a:p>
@@ -842,7 +842,7 @@
           <a:p>
             <a:fld id="{2590F9C9-AB92-4E86-B698-DEC9BF4350FF}" type="datetimeFigureOut">
               <a:rPr lang="ru-RU" smtClean="0"/>
-              <a:t>21.12.2016</a:t>
+              <a:t>22.12.2016</a:t>
             </a:fld>
             <a:endParaRPr lang="ru-RU"/>
           </a:p>
@@ -1072,7 +1072,7 @@
           <a:p>
             <a:fld id="{2590F9C9-AB92-4E86-B698-DEC9BF4350FF}" type="datetimeFigureOut">
               <a:rPr lang="ru-RU" smtClean="0"/>
-              <a:t>21.12.2016</a:t>
+              <a:t>22.12.2016</a:t>
             </a:fld>
             <a:endParaRPr lang="ru-RU"/>
           </a:p>
@@ -1352,7 +1352,7 @@
           <a:p>
             <a:fld id="{2590F9C9-AB92-4E86-B698-DEC9BF4350FF}" type="datetimeFigureOut">
               <a:rPr lang="ru-RU" smtClean="0"/>
-              <a:t>21.12.2016</a:t>
+              <a:t>22.12.2016</a:t>
             </a:fld>
             <a:endParaRPr lang="ru-RU"/>
           </a:p>
@@ -1531,7 +1531,7 @@
           <a:p>
             <a:fld id="{2590F9C9-AB92-4E86-B698-DEC9BF4350FF}" type="datetimeFigureOut">
               <a:rPr lang="ru-RU" smtClean="0"/>
-              <a:t>21.12.2016</a:t>
+              <a:t>22.12.2016</a:t>
             </a:fld>
             <a:endParaRPr lang="ru-RU"/>
           </a:p>
@@ -1896,7 +1896,7 @@
           <a:p>
             <a:fld id="{2590F9C9-AB92-4E86-B698-DEC9BF4350FF}" type="datetimeFigureOut">
               <a:rPr lang="ru-RU" smtClean="0"/>
-              <a:t>21.12.2016</a:t>
+              <a:t>22.12.2016</a:t>
             </a:fld>
             <a:endParaRPr lang="ru-RU"/>
           </a:p>
@@ -2190,7 +2190,7 @@
           <a:p>
             <a:fld id="{2590F9C9-AB92-4E86-B698-DEC9BF4350FF}" type="datetimeFigureOut">
               <a:rPr lang="ru-RU" smtClean="0"/>
-              <a:t>21.12.2016</a:t>
+              <a:t>22.12.2016</a:t>
             </a:fld>
             <a:endParaRPr lang="ru-RU"/>
           </a:p>
@@ -2612,7 +2612,7 @@
           <a:p>
             <a:fld id="{2590F9C9-AB92-4E86-B698-DEC9BF4350FF}" type="datetimeFigureOut">
               <a:rPr lang="ru-RU" smtClean="0"/>
-              <a:t>21.12.2016</a:t>
+              <a:t>22.12.2016</a:t>
             </a:fld>
             <a:endParaRPr lang="ru-RU"/>
           </a:p>
@@ -2727,7 +2727,7 @@
           <a:p>
             <a:fld id="{2590F9C9-AB92-4E86-B698-DEC9BF4350FF}" type="datetimeFigureOut">
               <a:rPr lang="ru-RU" smtClean="0"/>
-              <a:t>21.12.2016</a:t>
+              <a:t>22.12.2016</a:t>
             </a:fld>
             <a:endParaRPr lang="ru-RU"/>
           </a:p>
@@ -2824,7 +2824,7 @@
           <a:p>
             <a:fld id="{2590F9C9-AB92-4E86-B698-DEC9BF4350FF}" type="datetimeFigureOut">
               <a:rPr lang="ru-RU" smtClean="0"/>
-              <a:t>21.12.2016</a:t>
+              <a:t>22.12.2016</a:t>
             </a:fld>
             <a:endParaRPr lang="ru-RU"/>
           </a:p>
@@ -3109,7 +3109,7 @@
           <a:p>
             <a:fld id="{2590F9C9-AB92-4E86-B698-DEC9BF4350FF}" type="datetimeFigureOut">
               <a:rPr lang="ru-RU" smtClean="0"/>
-              <a:t>21.12.2016</a:t>
+              <a:t>22.12.2016</a:t>
             </a:fld>
             <a:endParaRPr lang="ru-RU"/>
           </a:p>
@@ -3475,7 +3475,7 @@
           <a:p>
             <a:fld id="{2590F9C9-AB92-4E86-B698-DEC9BF4350FF}" type="datetimeFigureOut">
               <a:rPr lang="ru-RU" smtClean="0"/>
-              <a:t>21.12.2016</a:t>
+              <a:t>22.12.2016</a:t>
             </a:fld>
             <a:endParaRPr lang="ru-RU"/>
           </a:p>
@@ -3912,7 +3912,7 @@
           <a:p>
             <a:fld id="{2590F9C9-AB92-4E86-B698-DEC9BF4350FF}" type="datetimeFigureOut">
               <a:rPr lang="ru-RU" smtClean="0"/>
-              <a:t>21.12.2016</a:t>
+              <a:t>22.12.2016</a:t>
             </a:fld>
             <a:endParaRPr lang="ru-RU"/>
           </a:p>
@@ -10815,11 +10815,7 @@
             </a:r>
             <a:r>
               <a:rPr lang="en-US" dirty="0" smtClean="0"/>
-              <a:t> (interface </a:t>
-            </a:r>
-            <a:r>
-              <a:rPr lang="en-US" dirty="0" smtClean="0"/>
-              <a:t>implementation)</a:t>
+              <a:t> (interface implementation)</a:t>
             </a:r>
             <a:endParaRPr lang="ru-RU" dirty="0"/>
           </a:p>
@@ -11027,7 +11023,7 @@
       </p:sp>
       <p:pic>
         <p:nvPicPr>
-          <p:cNvPr id="4" name="Picture 3"/>
+          <p:cNvPr id="3" name="Picture 2"/>
           <p:cNvPicPr>
             <a:picLocks noChangeAspect="1"/>
           </p:cNvPicPr>
@@ -11041,14 +11037,47 @@
         </p:blipFill>
         <p:spPr>
           <a:xfrm>
-            <a:off x="265584" y="2290000"/>
-            <a:ext cx="8612832" cy="2278000"/>
+            <a:off x="457199" y="2970486"/>
+            <a:ext cx="8291265" cy="2196833"/>
           </a:xfrm>
           <a:prstGeom prst="rect">
             <a:avLst/>
           </a:prstGeom>
         </p:spPr>
       </p:pic>
+      <p:cxnSp>
+        <p:nvCxnSpPr>
+          <p:cNvPr id="6" name="Straight Arrow Connector 5"/>
+          <p:cNvCxnSpPr/>
+          <p:nvPr/>
+        </p:nvCxnSpPr>
+        <p:spPr>
+          <a:xfrm>
+            <a:off x="4427984" y="2132856"/>
+            <a:ext cx="1512168" cy="1368152"/>
+          </a:xfrm>
+          <a:prstGeom prst="straightConnector1">
+            <a:avLst/>
+          </a:prstGeom>
+          <a:ln>
+            <a:tailEnd type="triangle"/>
+          </a:ln>
+        </p:spPr>
+        <p:style>
+          <a:lnRef idx="2">
+            <a:schemeClr val="dk1"/>
+          </a:lnRef>
+          <a:fillRef idx="0">
+            <a:schemeClr val="dk1"/>
+          </a:fillRef>
+          <a:effectRef idx="1">
+            <a:schemeClr val="dk1"/>
+          </a:effectRef>
+          <a:fontRef idx="minor">
+            <a:schemeClr val="tx1"/>
+          </a:fontRef>
+        </p:style>
+      </p:cxnSp>
     </p:spTree>
     <p:extLst>
       <p:ext uri="{BB962C8B-B14F-4D97-AF65-F5344CB8AC3E}">

--- a/lectures/strategy/strategy.pptx
+++ b/lectures/strategy/strategy.pptx
@@ -242,7 +242,7 @@
           <a:p>
             <a:fld id="{2F3DCB6D-0B48-4A3D-B663-06C3F903A9D3}" type="datetimeFigureOut">
               <a:rPr lang="ru-RU" smtClean="0"/>
-              <a:t>22.12.2016</a:t>
+              <a:t>02.02.2017</a:t>
             </a:fld>
             <a:endParaRPr lang="ru-RU"/>
           </a:p>
@@ -842,7 +842,7 @@
           <a:p>
             <a:fld id="{2590F9C9-AB92-4E86-B698-DEC9BF4350FF}" type="datetimeFigureOut">
               <a:rPr lang="ru-RU" smtClean="0"/>
-              <a:t>22.12.2016</a:t>
+              <a:t>02.02.2017</a:t>
             </a:fld>
             <a:endParaRPr lang="ru-RU"/>
           </a:p>
@@ -1072,7 +1072,7 @@
           <a:p>
             <a:fld id="{2590F9C9-AB92-4E86-B698-DEC9BF4350FF}" type="datetimeFigureOut">
               <a:rPr lang="ru-RU" smtClean="0"/>
-              <a:t>22.12.2016</a:t>
+              <a:t>02.02.2017</a:t>
             </a:fld>
             <a:endParaRPr lang="ru-RU"/>
           </a:p>
@@ -1352,7 +1352,7 @@
           <a:p>
             <a:fld id="{2590F9C9-AB92-4E86-B698-DEC9BF4350FF}" type="datetimeFigureOut">
               <a:rPr lang="ru-RU" smtClean="0"/>
-              <a:t>22.12.2016</a:t>
+              <a:t>02.02.2017</a:t>
             </a:fld>
             <a:endParaRPr lang="ru-RU"/>
           </a:p>
@@ -1531,7 +1531,7 @@
           <a:p>
             <a:fld id="{2590F9C9-AB92-4E86-B698-DEC9BF4350FF}" type="datetimeFigureOut">
               <a:rPr lang="ru-RU" smtClean="0"/>
-              <a:t>22.12.2016</a:t>
+              <a:t>02.02.2017</a:t>
             </a:fld>
             <a:endParaRPr lang="ru-RU"/>
           </a:p>
@@ -1896,7 +1896,7 @@
           <a:p>
             <a:fld id="{2590F9C9-AB92-4E86-B698-DEC9BF4350FF}" type="datetimeFigureOut">
               <a:rPr lang="ru-RU" smtClean="0"/>
-              <a:t>22.12.2016</a:t>
+              <a:t>02.02.2017</a:t>
             </a:fld>
             <a:endParaRPr lang="ru-RU"/>
           </a:p>
@@ -2190,7 +2190,7 @@
           <a:p>
             <a:fld id="{2590F9C9-AB92-4E86-B698-DEC9BF4350FF}" type="datetimeFigureOut">
               <a:rPr lang="ru-RU" smtClean="0"/>
-              <a:t>22.12.2016</a:t>
+              <a:t>02.02.2017</a:t>
             </a:fld>
             <a:endParaRPr lang="ru-RU"/>
           </a:p>
@@ -2612,7 +2612,7 @@
           <a:p>
             <a:fld id="{2590F9C9-AB92-4E86-B698-DEC9BF4350FF}" type="datetimeFigureOut">
               <a:rPr lang="ru-RU" smtClean="0"/>
-              <a:t>22.12.2016</a:t>
+              <a:t>02.02.2017</a:t>
             </a:fld>
             <a:endParaRPr lang="ru-RU"/>
           </a:p>
@@ -2727,7 +2727,7 @@
           <a:p>
             <a:fld id="{2590F9C9-AB92-4E86-B698-DEC9BF4350FF}" type="datetimeFigureOut">
               <a:rPr lang="ru-RU" smtClean="0"/>
-              <a:t>22.12.2016</a:t>
+              <a:t>02.02.2017</a:t>
             </a:fld>
             <a:endParaRPr lang="ru-RU"/>
           </a:p>
@@ -2824,7 +2824,7 @@
           <a:p>
             <a:fld id="{2590F9C9-AB92-4E86-B698-DEC9BF4350FF}" type="datetimeFigureOut">
               <a:rPr lang="ru-RU" smtClean="0"/>
-              <a:t>22.12.2016</a:t>
+              <a:t>02.02.2017</a:t>
             </a:fld>
             <a:endParaRPr lang="ru-RU"/>
           </a:p>
@@ -3109,7 +3109,7 @@
           <a:p>
             <a:fld id="{2590F9C9-AB92-4E86-B698-DEC9BF4350FF}" type="datetimeFigureOut">
               <a:rPr lang="ru-RU" smtClean="0"/>
-              <a:t>22.12.2016</a:t>
+              <a:t>02.02.2017</a:t>
             </a:fld>
             <a:endParaRPr lang="ru-RU"/>
           </a:p>
@@ -3475,7 +3475,7 @@
           <a:p>
             <a:fld id="{2590F9C9-AB92-4E86-B698-DEC9BF4350FF}" type="datetimeFigureOut">
               <a:rPr lang="ru-RU" smtClean="0"/>
-              <a:t>22.12.2016</a:t>
+              <a:t>02.02.2017</a:t>
             </a:fld>
             <a:endParaRPr lang="ru-RU"/>
           </a:p>
@@ -3912,7 +3912,7 @@
           <a:p>
             <a:fld id="{2590F9C9-AB92-4E86-B698-DEC9BF4350FF}" type="datetimeFigureOut">
               <a:rPr lang="ru-RU" smtClean="0"/>
-              <a:t>22.12.2016</a:t>
+              <a:t>02.02.2017</a:t>
             </a:fld>
             <a:endParaRPr lang="ru-RU"/>
           </a:p>
@@ -6234,7 +6234,7 @@
       </p:sp>
       <p:pic>
         <p:nvPicPr>
-          <p:cNvPr id="7" name="Picture 6"/>
+          <p:cNvPr id="3" name="Picture 2"/>
           <p:cNvPicPr>
             <a:picLocks noChangeAspect="1"/>
           </p:cNvPicPr>
@@ -6248,8 +6248,8 @@
         </p:blipFill>
         <p:spPr>
           <a:xfrm>
-            <a:off x="107503" y="1816414"/>
-            <a:ext cx="4787535" cy="1828610"/>
+            <a:off x="899592" y="4441414"/>
+            <a:ext cx="7330101" cy="2232248"/>
           </a:xfrm>
           <a:prstGeom prst="rect">
             <a:avLst/>
@@ -6258,7 +6258,7 @@
       </p:pic>
       <p:pic>
         <p:nvPicPr>
-          <p:cNvPr id="8" name="Picture 7"/>
+          <p:cNvPr id="5" name="Picture 4"/>
           <p:cNvPicPr>
             <a:picLocks noChangeAspect="1"/>
           </p:cNvPicPr>
@@ -6272,8 +6272,8 @@
         </p:blipFill>
         <p:spPr>
           <a:xfrm>
-            <a:off x="1691680" y="4365104"/>
-            <a:ext cx="7190776" cy="2179734"/>
+            <a:off x="1115616" y="1700808"/>
+            <a:ext cx="5918726" cy="2448272"/>
           </a:xfrm>
           <a:prstGeom prst="rect">
             <a:avLst/>
